--- a/DOC/fms.pptx
+++ b/DOC/fms.pptx
@@ -107,17 +107,18 @@
       </a:defRPr>
     </a:lvl9pPr>
   </p:defaultTextStyle>
+  <p:extLst>
+    <p:ext uri="{EFAFB233-063F-42B5-8137-9DF3F51BA10A}">
+      <p15:sldGuideLst xmlns:p15="http://schemas.microsoft.com/office/powerpoint/2012/main"/>
+    </p:ext>
+  </p:extLst>
 </p:presentation>
 </file>
 
 <file path=ppt/commentAuthors.xml><?xml version="1.0" encoding="utf-8"?>
 <p:cmAuthorLst xmlns:a="http://schemas.openxmlformats.org/drawingml/2006/main" xmlns:r="http://schemas.openxmlformats.org/officeDocument/2006/relationships" xmlns:p="http://schemas.openxmlformats.org/presentationml/2006/main">
   <p:cmAuthor id="1" name="Biju MP" initials="BM" lastIdx="0" clrIdx="0">
-    <p:extLst>
-      <p:ext uri="{19B8F6BF-5375-455C-9EA6-DF929625EA0E}">
-        <p15:presenceInfo xmlns:p15="http://schemas.microsoft.com/office/powerpoint/2012/main" userId="" providerId=""/>
-      </p:ext>
-    </p:extLst>
+    <p:extLst/>
   </p:cmAuthor>
 </p:cmAuthorLst>
 </file>
@@ -14387,7 +14388,15 @@
             <a:pPr algn="ctr"/>
             <a:r>
               <a:rPr lang="en-US" dirty="0" smtClean="0"/>
-              <a:t>If 1,read the input file name </a:t>
+              <a:t>If </a:t>
+            </a:r>
+            <a:r>
+              <a:rPr lang="en-US" dirty="0" smtClean="0"/>
+              <a:t>option 1,read </a:t>
+            </a:r>
+            <a:r>
+              <a:rPr lang="en-US" dirty="0" smtClean="0"/>
+              <a:t>the input file name </a:t>
             </a:r>
             <a:endParaRPr lang="en-US" dirty="0"/>
           </a:p>
@@ -14623,8 +14632,8 @@
         </p:nvSpPr>
         <p:spPr>
           <a:xfrm>
-            <a:off x="3967089" y="3123028"/>
-            <a:ext cx="2588455" cy="808014"/>
+            <a:off x="3671669" y="3123027"/>
+            <a:ext cx="2883875" cy="1033537"/>
           </a:xfrm>
           <a:prstGeom prst="rect">
             <a:avLst/>
@@ -14654,6 +14663,14 @@
             <a:r>
               <a:rPr lang="en-US" dirty="0" smtClean="0"/>
               <a:t>Read the name of file to be delete the file </a:t>
+            </a:r>
+            <a:r>
+              <a:rPr lang="en-US" dirty="0" smtClean="0"/>
+              <a:t>,</a:t>
+            </a:r>
+            <a:r>
+              <a:rPr lang="en-US" smtClean="0"/>
+              <a:t>delete it, go back to menu</a:t>
             </a:r>
             <a:endParaRPr lang="en-US" dirty="0"/>
           </a:p>
